--- a/DddDemo/doc/DomainDrivenDesign.pptx
+++ b/DddDemo/doc/DomainDrivenDesign.pptx
@@ -9,9 +9,10 @@
     <p:sldId id="257" r:id="rId3"/>
     <p:sldId id="258" r:id="rId4"/>
     <p:sldId id="259" r:id="rId5"/>
-    <p:sldId id="260" r:id="rId6"/>
-    <p:sldId id="261" r:id="rId7"/>
-    <p:sldId id="262" r:id="rId8"/>
+    <p:sldId id="263" r:id="rId6"/>
+    <p:sldId id="264" r:id="rId7"/>
+    <p:sldId id="260" r:id="rId8"/>
+    <p:sldId id="261" r:id="rId9"/>
   </p:sldIdLst>
   <p:sldSz cx="12192000" cy="6858000"/>
   <p:notesSz cx="6858000" cy="9144000"/>
@@ -110,6 +111,11 @@
       </a:defRPr>
     </a:lvl9pPr>
   </p:defaultTextStyle>
+  <p:extLst>
+    <p:ext uri="{EFAFB233-063F-42B5-8137-9DF3F51BA10A}">
+      <p15:sldGuideLst xmlns:p15="http://schemas.microsoft.com/office/powerpoint/2012/main"/>
+    </p:ext>
+  </p:extLst>
 </p:presentation>
 </file>
 
@@ -13529,6 +13535,14 @@
             </a:r>
             <a:r>
               <a:rPr lang="tr-TR" dirty="0" err="1"/>
+              <a:t>presentation</a:t>
+            </a:r>
+            <a:r>
+              <a:rPr lang="tr-TR" dirty="0"/>
+              <a:t>, </a:t>
+            </a:r>
+            <a:r>
+              <a:rPr lang="tr-TR" dirty="0" err="1"/>
               <a:t>application</a:t>
             </a:r>
             <a:r>
@@ -13537,14 +13551,6 @@
             </a:r>
             <a:r>
               <a:rPr lang="tr-TR" dirty="0" err="1"/>
-              <a:t>logic</a:t>
-            </a:r>
-            <a:r>
-              <a:rPr lang="tr-TR" dirty="0"/>
-              <a:t> </a:t>
-            </a:r>
-            <a:r>
-              <a:rPr lang="tr-TR" dirty="0" err="1"/>
               <a:t>and</a:t>
             </a:r>
             <a:r>
@@ -13553,7 +13559,7 @@
             </a:r>
             <a:r>
               <a:rPr lang="tr-TR" dirty="0" err="1"/>
-              <a:t>logic</a:t>
+              <a:t>logics</a:t>
             </a:r>
             <a:r>
               <a:rPr lang="tr-TR" dirty="0"/>
@@ -14225,7 +14231,6 @@
               <a:rPr lang="tr-TR" dirty="0"/>
               <a:t> Development (TDD)</a:t>
             </a:r>
-            <a:endParaRPr lang="tr-TR" dirty="0"/>
           </a:p>
         </p:txBody>
       </p:sp>
@@ -14284,8 +14289,8 @@
         </p:blipFill>
         <p:spPr>
           <a:xfrm>
-            <a:off x="6248400" y="2603500"/>
-            <a:ext cx="4573464" cy="4074613"/>
+            <a:off x="5882366" y="1510018"/>
+            <a:ext cx="5829068" cy="5193262"/>
           </a:xfrm>
           <a:prstGeom prst="rect">
             <a:avLst/>
@@ -14347,8 +14352,13 @@
             </a:r>
             <a:r>
               <a:rPr lang="tr-TR" dirty="0"/>
-              <a:t> Design</a:t>
-            </a:r>
+              <a:t> Design / </a:t>
+            </a:r>
+            <a:r>
+              <a:rPr lang="tr-TR" dirty="0" err="1"/>
+              <a:t>Overall</a:t>
+            </a:r>
+            <a:endParaRPr lang="tr-TR" dirty="0"/>
           </a:p>
         </p:txBody>
       </p:sp>
@@ -14365,13 +14375,95 @@
         <p:spPr/>
         <p:txBody>
           <a:bodyPr>
-            <a:normAutofit fontScale="85000" lnSpcReduction="20000"/>
+            <a:normAutofit/>
           </a:bodyPr>
           <a:lstStyle/>
           <a:p>
             <a:r>
               <a:rPr lang="tr-TR" dirty="0" err="1"/>
-              <a:t>Overall</a:t>
+              <a:t>Ubiquitous</a:t>
+            </a:r>
+            <a:r>
+              <a:rPr lang="tr-TR" dirty="0"/>
+              <a:t> Language</a:t>
+            </a:r>
+          </a:p>
+          <a:p>
+            <a:pPr lvl="1"/>
+            <a:r>
+              <a:rPr lang="tr-TR" dirty="0"/>
+              <a:t>Knowledge </a:t>
+            </a:r>
+            <a:r>
+              <a:rPr lang="tr-TR" dirty="0" err="1"/>
+              <a:t>Crunching</a:t>
+            </a:r>
+            <a:r>
+              <a:rPr lang="tr-TR" dirty="0"/>
+              <a:t>, </a:t>
+            </a:r>
+            <a:r>
+              <a:rPr lang="tr-TR" dirty="0" err="1"/>
+              <a:t>Continuous</a:t>
+            </a:r>
+            <a:r>
+              <a:rPr lang="tr-TR" dirty="0"/>
+              <a:t> Learning, Knowledge-</a:t>
+            </a:r>
+            <a:r>
+              <a:rPr lang="tr-TR" dirty="0" err="1"/>
+              <a:t>Rich</a:t>
+            </a:r>
+            <a:r>
+              <a:rPr lang="tr-TR" dirty="0"/>
+              <a:t> Design, </a:t>
+            </a:r>
+            <a:r>
+              <a:rPr lang="tr-TR" dirty="0" err="1"/>
+              <a:t>Deep</a:t>
+            </a:r>
+            <a:r>
+              <a:rPr lang="tr-TR" dirty="0"/>
+              <a:t> </a:t>
+            </a:r>
+            <a:r>
+              <a:rPr lang="tr-TR" dirty="0" err="1"/>
+              <a:t>Models</a:t>
+            </a:r>
+            <a:r>
+              <a:rPr lang="tr-TR" dirty="0"/>
+              <a:t>.</a:t>
+            </a:r>
+          </a:p>
+          <a:p>
+            <a:pPr lvl="1"/>
+            <a:r>
+              <a:rPr lang="tr-TR" dirty="0" err="1"/>
+              <a:t>One</a:t>
+            </a:r>
+            <a:r>
+              <a:rPr lang="tr-TR" dirty="0"/>
+              <a:t> </a:t>
+            </a:r>
+            <a:r>
+              <a:rPr lang="tr-TR" dirty="0" err="1"/>
+              <a:t>team</a:t>
+            </a:r>
+            <a:r>
+              <a:rPr lang="tr-TR" dirty="0"/>
+              <a:t>, </a:t>
+            </a:r>
+            <a:r>
+              <a:rPr lang="tr-TR" dirty="0" err="1"/>
+              <a:t>one</a:t>
+            </a:r>
+            <a:r>
+              <a:rPr lang="tr-TR" dirty="0"/>
+              <a:t> </a:t>
+            </a:r>
+            <a:r>
+              <a:rPr lang="tr-TR" dirty="0" err="1"/>
+              <a:t>language</a:t>
             </a:r>
             <a:endParaRPr lang="tr-TR" dirty="0"/>
           </a:p>
@@ -14379,14 +14471,6 @@
             <a:pPr lvl="1"/>
             <a:r>
               <a:rPr lang="tr-TR" dirty="0" err="1"/>
-              <a:t>Ubiquitous</a:t>
-            </a:r>
-            <a:r>
-              <a:rPr lang="tr-TR" dirty="0"/>
-              <a:t> Language: </a:t>
-            </a:r>
-            <a:r>
-              <a:rPr lang="tr-TR" dirty="0" err="1"/>
               <a:t>Code</a:t>
             </a:r>
             <a:r>
@@ -14395,6 +14479,14 @@
             </a:r>
             <a:r>
               <a:rPr lang="tr-TR" dirty="0" err="1"/>
+              <a:t>base</a:t>
+            </a:r>
+            <a:r>
+              <a:rPr lang="tr-TR" dirty="0"/>
+              <a:t> </a:t>
+            </a:r>
+            <a:r>
+              <a:rPr lang="tr-TR" dirty="0" err="1"/>
               <a:t>should</a:t>
             </a:r>
             <a:r>
@@ -14411,7 +14503,7 @@
             </a:r>
             <a:r>
               <a:rPr lang="tr-TR" dirty="0" err="1"/>
-              <a:t>the</a:t>
+              <a:t>that</a:t>
             </a:r>
             <a:r>
               <a:rPr lang="tr-TR" dirty="0"/>
@@ -14419,7 +14511,14 @@
             </a:r>
             <a:r>
               <a:rPr lang="tr-TR" dirty="0" err="1"/>
-              <a:t>common</a:t>
+              <a:t>language</a:t>
+            </a:r>
+            <a:endParaRPr lang="tr-TR" dirty="0"/>
+          </a:p>
+          <a:p>
+            <a:r>
+              <a:rPr lang="tr-TR" dirty="0" err="1"/>
+              <a:t>Bounded</a:t>
             </a:r>
             <a:r>
               <a:rPr lang="tr-TR" dirty="0"/>
@@ -14427,199 +14526,54 @@
             </a:r>
             <a:r>
               <a:rPr lang="tr-TR" dirty="0" err="1"/>
-              <a:t>language</a:t>
-            </a:r>
-            <a:r>
-              <a:rPr lang="tr-TR" dirty="0"/>
-              <a:t>!</a:t>
+              <a:t>Context</a:t>
+            </a:r>
+            <a:r>
+              <a:rPr lang="tr-TR" dirty="0"/>
+              <a:t> (</a:t>
+            </a:r>
+            <a:r>
+              <a:rPr lang="tr-TR" dirty="0" err="1"/>
+              <a:t>Microservices</a:t>
+            </a:r>
+            <a:r>
+              <a:rPr lang="tr-TR" dirty="0"/>
+              <a:t>?)</a:t>
+            </a:r>
+          </a:p>
+          <a:p>
+            <a:r>
+              <a:rPr lang="tr-TR" dirty="0" err="1"/>
+              <a:t>Layered</a:t>
+            </a:r>
+            <a:r>
+              <a:rPr lang="tr-TR" dirty="0"/>
+              <a:t> Architecture</a:t>
             </a:r>
           </a:p>
           <a:p>
             <a:pPr lvl="1"/>
             <a:r>
-              <a:rPr lang="tr-TR" dirty="0" err="1"/>
-              <a:t>Bounded</a:t>
-            </a:r>
-            <a:r>
-              <a:rPr lang="tr-TR" dirty="0"/>
-              <a:t> </a:t>
-            </a:r>
-            <a:r>
-              <a:rPr lang="tr-TR" dirty="0" err="1"/>
-              <a:t>Context</a:t>
-            </a:r>
-            <a:r>
-              <a:rPr lang="tr-TR" dirty="0"/>
-              <a:t> / </a:t>
-            </a:r>
-            <a:r>
-              <a:rPr lang="tr-TR" dirty="0" err="1"/>
-              <a:t>Microservices</a:t>
+              <a:rPr lang="tr-TR" dirty="0"/>
+              <a:t>Domain, Application, Presentation, </a:t>
+            </a:r>
+            <a:r>
+              <a:rPr lang="tr-TR" dirty="0" err="1"/>
+              <a:t>Infrastructure</a:t>
+            </a:r>
+            <a:r>
+              <a:rPr lang="tr-TR" dirty="0"/>
+              <a:t>, </a:t>
+            </a:r>
+            <a:r>
+              <a:rPr lang="tr-TR" dirty="0" err="1"/>
+              <a:t>Distributes</a:t>
+            </a:r>
+            <a:r>
+              <a:rPr lang="tr-TR" dirty="0"/>
+              <a:t> Services</a:t>
             </a:r>
             <a:endParaRPr lang="tr-TR" dirty="0"/>
-          </a:p>
-          <a:p>
-            <a:r>
-              <a:rPr lang="tr-TR" dirty="0" err="1"/>
-              <a:t>Building</a:t>
-            </a:r>
-            <a:r>
-              <a:rPr lang="tr-TR" dirty="0"/>
-              <a:t> </a:t>
-            </a:r>
-            <a:r>
-              <a:rPr lang="tr-TR" dirty="0" err="1"/>
-              <a:t>Blocks</a:t>
-            </a:r>
-            <a:r>
-              <a:rPr lang="tr-TR" dirty="0"/>
-              <a:t> (</a:t>
-            </a:r>
-            <a:r>
-              <a:rPr lang="tr-TR" dirty="0" err="1"/>
-              <a:t>Patterns</a:t>
-            </a:r>
-            <a:r>
-              <a:rPr lang="tr-TR" dirty="0"/>
-              <a:t>, </a:t>
-            </a:r>
-            <a:r>
-              <a:rPr lang="tr-TR" dirty="0" err="1"/>
-              <a:t>Elements</a:t>
-            </a:r>
-            <a:r>
-              <a:rPr lang="tr-TR" dirty="0"/>
-              <a:t>) of DDD</a:t>
-            </a:r>
-          </a:p>
-          <a:p>
-            <a:pPr lvl="1"/>
-            <a:r>
-              <a:rPr lang="tr-TR" dirty="0"/>
-              <a:t>Domain: </a:t>
-            </a:r>
-            <a:r>
-              <a:rPr lang="tr-TR" dirty="0" err="1"/>
-              <a:t>Entity</a:t>
-            </a:r>
-            <a:r>
-              <a:rPr lang="tr-TR" dirty="0"/>
-              <a:t>, </a:t>
-            </a:r>
-            <a:r>
-              <a:rPr lang="tr-TR" dirty="0" err="1"/>
-              <a:t>Aggregate</a:t>
-            </a:r>
-            <a:r>
-              <a:rPr lang="tr-TR" dirty="0"/>
-              <a:t>, Value Object, </a:t>
-            </a:r>
-            <a:r>
-              <a:rPr lang="tr-TR" dirty="0" err="1"/>
-              <a:t>Repository</a:t>
-            </a:r>
-            <a:r>
-              <a:rPr lang="tr-TR" dirty="0"/>
-              <a:t>, Domain Service, Domain </a:t>
-            </a:r>
-            <a:r>
-              <a:rPr lang="tr-TR" dirty="0" err="1"/>
-              <a:t>Event</a:t>
-            </a:r>
-            <a:r>
-              <a:rPr lang="tr-TR" dirty="0"/>
-              <a:t>, </a:t>
-            </a:r>
-            <a:r>
-              <a:rPr lang="tr-TR" dirty="0" err="1"/>
-              <a:t>Policy</a:t>
-            </a:r>
-            <a:endParaRPr lang="tr-TR" dirty="0"/>
-          </a:p>
-          <a:p>
-            <a:pPr lvl="1"/>
-            <a:r>
-              <a:rPr lang="tr-TR" dirty="0"/>
-              <a:t>Application: Application Service, Data Transfer Object, </a:t>
-            </a:r>
-            <a:r>
-              <a:rPr lang="tr-TR" dirty="0" err="1"/>
-              <a:t>Unit</a:t>
-            </a:r>
-            <a:r>
-              <a:rPr lang="tr-TR" dirty="0"/>
-              <a:t> Of </a:t>
-            </a:r>
-            <a:r>
-              <a:rPr lang="tr-TR" dirty="0" err="1"/>
-              <a:t>Work</a:t>
-            </a:r>
-            <a:endParaRPr lang="tr-TR" dirty="0"/>
-          </a:p>
-          <a:p>
-            <a:pPr lvl="1"/>
-            <a:r>
-              <a:rPr lang="tr-TR" dirty="0" err="1"/>
-              <a:t>Infrastructure</a:t>
-            </a:r>
-            <a:r>
-              <a:rPr lang="tr-TR" dirty="0"/>
-              <a:t>: </a:t>
-            </a:r>
-            <a:r>
-              <a:rPr lang="tr-TR" dirty="0" err="1"/>
-              <a:t>Persistence</a:t>
-            </a:r>
-            <a:endParaRPr lang="tr-TR" dirty="0"/>
-          </a:p>
-          <a:p>
-            <a:pPr lvl="1"/>
-            <a:r>
-              <a:rPr lang="tr-TR" dirty="0"/>
-              <a:t>Presentation: MVC…</a:t>
-            </a:r>
-          </a:p>
-          <a:p>
-            <a:r>
-              <a:rPr lang="tr-TR" dirty="0" err="1"/>
-              <a:t>Supporting</a:t>
-            </a:r>
-            <a:endParaRPr lang="tr-TR" dirty="0"/>
-          </a:p>
-          <a:p>
-            <a:pPr lvl="1"/>
-            <a:r>
-              <a:rPr lang="tr-TR" dirty="0" err="1"/>
-              <a:t>Dependency</a:t>
-            </a:r>
-            <a:r>
-              <a:rPr lang="tr-TR" dirty="0"/>
-              <a:t> </a:t>
-            </a:r>
-            <a:r>
-              <a:rPr lang="tr-TR" dirty="0" err="1"/>
-              <a:t>Injection</a:t>
-            </a:r>
-            <a:endParaRPr lang="tr-TR" dirty="0"/>
-          </a:p>
-          <a:p>
-            <a:pPr lvl="1"/>
-            <a:r>
-              <a:rPr lang="tr-TR" dirty="0" err="1"/>
-              <a:t>Validation</a:t>
-            </a:r>
-            <a:r>
-              <a:rPr lang="tr-TR" dirty="0"/>
-              <a:t>, </a:t>
-            </a:r>
-            <a:r>
-              <a:rPr lang="tr-TR" dirty="0" err="1"/>
-              <a:t>Authorization</a:t>
-            </a:r>
-            <a:r>
-              <a:rPr lang="tr-TR" dirty="0"/>
-              <a:t>, Auditing</a:t>
-            </a:r>
           </a:p>
         </p:txBody>
       </p:sp>
@@ -14669,8 +14623,20 @@
           <a:lstStyle/>
           <a:p>
             <a:r>
-              <a:rPr lang="tr-TR" dirty="0" err="1"/>
-              <a:t>Discussions</a:t>
+              <a:rPr lang="tr-TR" dirty="0"/>
+              <a:t>Domain </a:t>
+            </a:r>
+            <a:r>
+              <a:rPr lang="tr-TR" dirty="0" err="1"/>
+              <a:t>Driven</a:t>
+            </a:r>
+            <a:r>
+              <a:rPr lang="tr-TR" dirty="0"/>
+              <a:t> Design / </a:t>
+            </a:r>
+            <a:r>
+              <a:rPr lang="tr-TR" dirty="0" err="1"/>
+              <a:t>Layers</a:t>
             </a:r>
             <a:endParaRPr lang="tr-TR" dirty="0"/>
           </a:p>
@@ -14689,21 +14655,232 @@
         <p:spPr/>
         <p:txBody>
           <a:bodyPr>
-            <a:normAutofit fontScale="77500" lnSpcReduction="20000"/>
+            <a:normAutofit fontScale="92500" lnSpcReduction="10000"/>
           </a:bodyPr>
           <a:lstStyle/>
           <a:p>
             <a:r>
+              <a:rPr lang="tr-TR" dirty="0"/>
+              <a:t>Domain </a:t>
+            </a:r>
+            <a:r>
+              <a:rPr lang="tr-TR" dirty="0" err="1"/>
+              <a:t>Layer</a:t>
+            </a:r>
+            <a:endParaRPr lang="tr-TR" dirty="0"/>
+          </a:p>
+          <a:p>
+            <a:pPr lvl="1"/>
+            <a:r>
+              <a:rPr lang="tr-TR" dirty="0" err="1"/>
+              <a:t>Entities</a:t>
+            </a:r>
+            <a:r>
+              <a:rPr lang="tr-TR" dirty="0"/>
+              <a:t>, </a:t>
+            </a:r>
+            <a:r>
+              <a:rPr lang="tr-TR" dirty="0" err="1"/>
+              <a:t>Aggregates</a:t>
+            </a:r>
+            <a:r>
+              <a:rPr lang="tr-TR" dirty="0"/>
+              <a:t>, </a:t>
+            </a:r>
+            <a:r>
+              <a:rPr lang="tr-TR" dirty="0" err="1"/>
+              <a:t>Aggregate</a:t>
+            </a:r>
+            <a:r>
+              <a:rPr lang="tr-TR" dirty="0"/>
+              <a:t> </a:t>
+            </a:r>
+            <a:r>
+              <a:rPr lang="tr-TR" dirty="0" err="1"/>
+              <a:t>Roots</a:t>
+            </a:r>
+            <a:r>
+              <a:rPr lang="tr-TR" dirty="0"/>
+              <a:t>, Value Objects, </a:t>
+            </a:r>
+            <a:r>
+              <a:rPr lang="tr-TR" dirty="0" err="1"/>
+              <a:t>Repositories</a:t>
+            </a:r>
+            <a:r>
+              <a:rPr lang="tr-TR" dirty="0"/>
+              <a:t>, Domain Services, Domain </a:t>
+            </a:r>
+            <a:r>
+              <a:rPr lang="tr-TR" dirty="0" err="1"/>
+              <a:t>Events</a:t>
+            </a:r>
+            <a:r>
+              <a:rPr lang="tr-TR" dirty="0"/>
+              <a:t>, </a:t>
+            </a:r>
+            <a:r>
+              <a:rPr lang="tr-TR" dirty="0" err="1"/>
+              <a:t>Policies</a:t>
+            </a:r>
+            <a:endParaRPr lang="tr-TR" dirty="0"/>
+          </a:p>
+          <a:p>
+            <a:r>
+              <a:rPr lang="tr-TR" dirty="0"/>
+              <a:t>Application </a:t>
+            </a:r>
+            <a:r>
+              <a:rPr lang="tr-TR" dirty="0" err="1"/>
+              <a:t>Layer</a:t>
+            </a:r>
+            <a:endParaRPr lang="tr-TR" dirty="0"/>
+          </a:p>
+          <a:p>
+            <a:pPr lvl="1"/>
+            <a:r>
+              <a:rPr lang="tr-TR" dirty="0"/>
+              <a:t>Application Services, Data Transfer Objects (</a:t>
+            </a:r>
+            <a:r>
+              <a:rPr lang="tr-TR" dirty="0" err="1"/>
+              <a:t>and</a:t>
+            </a:r>
+            <a:r>
+              <a:rPr lang="tr-TR" dirty="0"/>
+              <a:t> </a:t>
+            </a:r>
+            <a:r>
+              <a:rPr lang="tr-TR" dirty="0" err="1"/>
+              <a:t>their</a:t>
+            </a:r>
+            <a:r>
+              <a:rPr lang="tr-TR" dirty="0"/>
+              <a:t> </a:t>
+            </a:r>
+            <a:r>
+              <a:rPr lang="tr-TR" dirty="0" err="1"/>
+              <a:t>Validation</a:t>
+            </a:r>
+            <a:r>
+              <a:rPr lang="tr-TR" dirty="0"/>
+              <a:t>), </a:t>
+            </a:r>
+            <a:r>
+              <a:rPr lang="tr-TR" dirty="0" err="1"/>
+              <a:t>Unit</a:t>
+            </a:r>
+            <a:r>
+              <a:rPr lang="tr-TR" dirty="0"/>
+              <a:t> Of </a:t>
+            </a:r>
+            <a:r>
+              <a:rPr lang="tr-TR" dirty="0" err="1"/>
+              <a:t>Work</a:t>
+            </a:r>
+            <a:r>
+              <a:rPr lang="tr-TR" dirty="0"/>
+              <a:t>, </a:t>
+            </a:r>
+            <a:r>
+              <a:rPr lang="tr-TR" dirty="0" err="1"/>
+              <a:t>Authorization</a:t>
+            </a:r>
+            <a:r>
+              <a:rPr lang="tr-TR" dirty="0"/>
+              <a:t>, Auditing…</a:t>
+            </a:r>
+          </a:p>
+          <a:p>
+            <a:r>
+              <a:rPr lang="tr-TR" dirty="0" err="1"/>
+              <a:t>Infrastructure</a:t>
+            </a:r>
+            <a:r>
+              <a:rPr lang="tr-TR" dirty="0"/>
+              <a:t> </a:t>
+            </a:r>
+            <a:r>
+              <a:rPr lang="tr-TR" dirty="0" err="1"/>
+              <a:t>Layer</a:t>
+            </a:r>
+            <a:endParaRPr lang="tr-TR" dirty="0"/>
+          </a:p>
+          <a:p>
+            <a:pPr lvl="1"/>
+            <a:r>
               <a:rPr lang="tr-TR" dirty="0" err="1"/>
               <a:t>Persistence</a:t>
             </a:r>
             <a:r>
               <a:rPr lang="tr-TR" dirty="0"/>
+              <a:t>, </a:t>
+            </a:r>
+            <a:r>
+              <a:rPr lang="tr-TR" dirty="0" err="1"/>
+              <a:t>Sending</a:t>
+            </a:r>
+            <a:r>
+              <a:rPr lang="tr-TR" dirty="0"/>
               <a:t> </a:t>
             </a:r>
             <a:r>
               <a:rPr lang="tr-TR" dirty="0" err="1"/>
-              <a:t>Ignorance</a:t>
+              <a:t>Emails</a:t>
+            </a:r>
+            <a:r>
+              <a:rPr lang="tr-TR" dirty="0"/>
+              <a:t>, </a:t>
+            </a:r>
+            <a:r>
+              <a:rPr lang="tr-TR" dirty="0" err="1"/>
+              <a:t>Dependency</a:t>
+            </a:r>
+            <a:r>
+              <a:rPr lang="tr-TR" dirty="0"/>
+              <a:t> </a:t>
+            </a:r>
+            <a:r>
+              <a:rPr lang="tr-TR" dirty="0" err="1"/>
+              <a:t>Injection</a:t>
+            </a:r>
+            <a:r>
+              <a:rPr lang="tr-TR" dirty="0"/>
+              <a:t>, </a:t>
+            </a:r>
+            <a:r>
+              <a:rPr lang="tr-TR" dirty="0" err="1"/>
+              <a:t>Logging</a:t>
+            </a:r>
+            <a:r>
+              <a:rPr lang="tr-TR" dirty="0"/>
+              <a:t>, </a:t>
+            </a:r>
+            <a:r>
+              <a:rPr lang="tr-TR" dirty="0" err="1"/>
+              <a:t>Caching</a:t>
+            </a:r>
+            <a:r>
+              <a:rPr lang="tr-TR" dirty="0"/>
+              <a:t> </a:t>
+            </a:r>
+            <a:r>
+              <a:rPr lang="tr-TR" dirty="0" err="1"/>
+              <a:t>implementations</a:t>
+            </a:r>
+            <a:r>
+              <a:rPr lang="tr-TR" dirty="0"/>
+              <a:t>…</a:t>
+            </a:r>
+          </a:p>
+          <a:p>
+            <a:r>
+              <a:rPr lang="tr-TR" dirty="0"/>
+              <a:t>Presentation </a:t>
+            </a:r>
+            <a:r>
+              <a:rPr lang="tr-TR" dirty="0" err="1"/>
+              <a:t>Layer</a:t>
             </a:r>
             <a:endParaRPr lang="tr-TR" dirty="0"/>
           </a:p>
@@ -14711,29 +14888,11 @@
             <a:pPr lvl="1"/>
             <a:r>
               <a:rPr lang="tr-TR" dirty="0"/>
-              <a:t>Not Database </a:t>
-            </a:r>
-            <a:r>
-              <a:rPr lang="tr-TR" dirty="0" err="1"/>
-              <a:t>Driven</a:t>
-            </a:r>
-            <a:r>
-              <a:rPr lang="tr-TR" dirty="0"/>
-              <a:t> Design, but Domain </a:t>
-            </a:r>
-            <a:r>
-              <a:rPr lang="tr-TR" dirty="0" err="1"/>
-              <a:t>Driven</a:t>
-            </a:r>
-            <a:r>
-              <a:rPr lang="tr-TR" dirty="0"/>
-              <a:t> Design!</a:t>
-            </a:r>
-          </a:p>
-          <a:p>
-            <a:r>
-              <a:rPr lang="tr-TR" dirty="0" err="1"/>
-              <a:t>Bounded</a:t>
+              <a:t>Web, Mobile… </a:t>
+            </a:r>
+            <a:r>
+              <a:rPr lang="tr-TR" dirty="0" err="1"/>
+              <a:t>specific</a:t>
             </a:r>
             <a:r>
               <a:rPr lang="tr-TR" dirty="0"/>
@@ -14741,475 +14900,35 @@
             </a:r>
             <a:r>
               <a:rPr lang="tr-TR" dirty="0" err="1"/>
-              <a:t>Contextes</a:t>
+              <a:t>technologies</a:t>
+            </a:r>
+            <a:r>
+              <a:rPr lang="tr-TR" dirty="0"/>
+              <a:t> </a:t>
+            </a:r>
+            <a:r>
+              <a:rPr lang="tr-TR" dirty="0" err="1"/>
+              <a:t>and</a:t>
+            </a:r>
+            <a:r>
+              <a:rPr lang="tr-TR" dirty="0"/>
+              <a:t> </a:t>
+            </a:r>
+            <a:r>
+              <a:rPr lang="tr-TR" dirty="0" err="1"/>
+              <a:t>tools</a:t>
             </a:r>
             <a:endParaRPr lang="tr-TR" dirty="0"/>
           </a:p>
           <a:p>
-            <a:pPr lvl="1"/>
-            <a:r>
-              <a:rPr lang="tr-TR" dirty="0" err="1"/>
-              <a:t>Entities</a:t>
-            </a:r>
-            <a:r>
-              <a:rPr lang="tr-TR" dirty="0"/>
-              <a:t> </a:t>
-            </a:r>
-            <a:r>
-              <a:rPr lang="tr-TR" dirty="0" err="1"/>
-              <a:t>should</a:t>
-            </a:r>
-            <a:r>
-              <a:rPr lang="tr-TR" dirty="0"/>
-              <a:t> not be re-</a:t>
-            </a:r>
-            <a:r>
-              <a:rPr lang="tr-TR" dirty="0" err="1"/>
-              <a:t>used</a:t>
-            </a:r>
-            <a:r>
-              <a:rPr lang="tr-TR" dirty="0"/>
-              <a:t> </a:t>
-            </a:r>
-            <a:r>
-              <a:rPr lang="tr-TR" dirty="0" err="1"/>
-              <a:t>between</a:t>
-            </a:r>
-            <a:r>
-              <a:rPr lang="tr-TR" dirty="0"/>
-              <a:t> </a:t>
-            </a:r>
-            <a:r>
-              <a:rPr lang="tr-TR" dirty="0" err="1"/>
-              <a:t>contextes</a:t>
-            </a:r>
-            <a:r>
-              <a:rPr lang="tr-TR" dirty="0"/>
-              <a:t> </a:t>
-            </a:r>
-            <a:r>
-              <a:rPr lang="tr-TR" dirty="0" err="1"/>
-              <a:t>even</a:t>
-            </a:r>
-            <a:r>
-              <a:rPr lang="tr-TR" dirty="0"/>
-              <a:t> </a:t>
-            </a:r>
-            <a:r>
-              <a:rPr lang="tr-TR" dirty="0" err="1"/>
-              <a:t>they</a:t>
-            </a:r>
-            <a:r>
-              <a:rPr lang="tr-TR" dirty="0"/>
-              <a:t> </a:t>
-            </a:r>
-            <a:r>
-              <a:rPr lang="tr-TR" dirty="0" err="1"/>
-              <a:t>represent</a:t>
-            </a:r>
-            <a:r>
-              <a:rPr lang="tr-TR" dirty="0"/>
-              <a:t> </a:t>
-            </a:r>
-            <a:r>
-              <a:rPr lang="tr-TR" dirty="0" err="1"/>
-              <a:t>same</a:t>
-            </a:r>
-            <a:r>
-              <a:rPr lang="tr-TR" dirty="0"/>
-              <a:t> </a:t>
-            </a:r>
-            <a:r>
-              <a:rPr lang="tr-TR" dirty="0" err="1"/>
-              <a:t>database</a:t>
-            </a:r>
-            <a:r>
-              <a:rPr lang="tr-TR" dirty="0"/>
-              <a:t> </a:t>
-            </a:r>
-            <a:r>
-              <a:rPr lang="tr-TR" dirty="0" err="1"/>
-              <a:t>table</a:t>
-            </a:r>
-            <a:r>
-              <a:rPr lang="tr-TR" dirty="0"/>
-              <a:t>.</a:t>
-            </a:r>
-          </a:p>
-          <a:p>
-            <a:r>
-              <a:rPr lang="tr-TR" dirty="0" err="1"/>
-              <a:t>Aggregate</a:t>
-            </a:r>
-            <a:r>
-              <a:rPr lang="tr-TR" dirty="0"/>
-              <a:t> </a:t>
-            </a:r>
-            <a:r>
-              <a:rPr lang="tr-TR" dirty="0" err="1"/>
-              <a:t>Roots</a:t>
-            </a:r>
             <a:endParaRPr lang="tr-TR" dirty="0"/>
-          </a:p>
-          <a:p>
-            <a:pPr lvl="1"/>
-            <a:r>
-              <a:rPr lang="tr-TR" dirty="0" err="1"/>
-              <a:t>Responsible</a:t>
-            </a:r>
-            <a:r>
-              <a:rPr lang="tr-TR" dirty="0"/>
-              <a:t> </a:t>
-            </a:r>
-            <a:r>
-              <a:rPr lang="tr-TR" dirty="0" err="1"/>
-              <a:t>for</a:t>
-            </a:r>
-            <a:r>
-              <a:rPr lang="tr-TR" dirty="0"/>
-              <a:t> </a:t>
-            </a:r>
-            <a:r>
-              <a:rPr lang="tr-TR" dirty="0" err="1"/>
-              <a:t>it’s</a:t>
-            </a:r>
-            <a:r>
-              <a:rPr lang="tr-TR" dirty="0"/>
-              <a:t> </a:t>
-            </a:r>
-            <a:r>
-              <a:rPr lang="tr-TR" dirty="0" err="1"/>
-              <a:t>own</a:t>
-            </a:r>
-            <a:r>
-              <a:rPr lang="tr-TR" dirty="0"/>
-              <a:t> </a:t>
-            </a:r>
-            <a:r>
-              <a:rPr lang="tr-TR" dirty="0" err="1"/>
-              <a:t>validity</a:t>
-            </a:r>
-            <a:r>
-              <a:rPr lang="tr-TR" dirty="0"/>
-              <a:t> </a:t>
-            </a:r>
-            <a:r>
-              <a:rPr lang="tr-TR" dirty="0" err="1"/>
-              <a:t>and</a:t>
-            </a:r>
-            <a:r>
-              <a:rPr lang="tr-TR" dirty="0"/>
-              <a:t> </a:t>
-            </a:r>
-            <a:r>
-              <a:rPr lang="tr-TR" dirty="0" err="1"/>
-              <a:t>integrity</a:t>
-            </a:r>
-            <a:r>
-              <a:rPr lang="tr-TR" dirty="0"/>
-              <a:t>.</a:t>
-            </a:r>
-          </a:p>
-          <a:p>
-            <a:pPr lvl="1"/>
-            <a:r>
-              <a:rPr lang="tr-TR" dirty="0"/>
-              <a:t>Can </a:t>
-            </a:r>
-            <a:r>
-              <a:rPr lang="tr-TR" dirty="0" err="1"/>
-              <a:t>refer</a:t>
-            </a:r>
-            <a:r>
-              <a:rPr lang="tr-TR" dirty="0"/>
-              <a:t> </a:t>
-            </a:r>
-            <a:r>
-              <a:rPr lang="tr-TR" dirty="0" err="1"/>
-              <a:t>other</a:t>
-            </a:r>
-            <a:r>
-              <a:rPr lang="tr-TR" dirty="0"/>
-              <a:t> </a:t>
-            </a:r>
-            <a:r>
-              <a:rPr lang="tr-TR" dirty="0" err="1"/>
-              <a:t>Aggregates</a:t>
-            </a:r>
-            <a:r>
-              <a:rPr lang="tr-TR" dirty="0"/>
-              <a:t> </a:t>
-            </a:r>
-            <a:r>
-              <a:rPr lang="tr-TR" dirty="0" err="1"/>
-              <a:t>by</a:t>
-            </a:r>
-            <a:r>
-              <a:rPr lang="tr-TR" dirty="0"/>
-              <a:t> </a:t>
-            </a:r>
-            <a:r>
-              <a:rPr lang="tr-TR" dirty="0" err="1"/>
-              <a:t>only</a:t>
-            </a:r>
-            <a:r>
-              <a:rPr lang="tr-TR" dirty="0"/>
-              <a:t> </a:t>
-            </a:r>
-            <a:r>
-              <a:rPr lang="tr-TR" dirty="0" err="1"/>
-              <a:t>reference</a:t>
-            </a:r>
-            <a:r>
-              <a:rPr lang="tr-TR" dirty="0"/>
-              <a:t> (</a:t>
-            </a:r>
-            <a:r>
-              <a:rPr lang="tr-TR" dirty="0" err="1"/>
-              <a:t>by</a:t>
-            </a:r>
-            <a:r>
-              <a:rPr lang="tr-TR" dirty="0"/>
-              <a:t> </a:t>
-            </a:r>
-            <a:r>
-              <a:rPr lang="tr-TR" dirty="0" err="1"/>
-              <a:t>their</a:t>
-            </a:r>
-            <a:r>
-              <a:rPr lang="tr-TR" dirty="0"/>
-              <a:t> </a:t>
-            </a:r>
-            <a:r>
-              <a:rPr lang="tr-TR" dirty="0" err="1"/>
-              <a:t>id</a:t>
-            </a:r>
-            <a:r>
-              <a:rPr lang="tr-TR" dirty="0"/>
-              <a:t>).</a:t>
-            </a:r>
-          </a:p>
-          <a:p>
-            <a:pPr lvl="1"/>
-            <a:r>
-              <a:rPr lang="tr-TR" dirty="0" err="1"/>
-              <a:t>Should</a:t>
-            </a:r>
-            <a:r>
-              <a:rPr lang="tr-TR" dirty="0"/>
-              <a:t> </a:t>
-            </a:r>
-            <a:r>
-              <a:rPr lang="tr-TR" dirty="0" err="1"/>
-              <a:t>go</a:t>
-            </a:r>
-            <a:r>
-              <a:rPr lang="tr-TR" dirty="0"/>
-              <a:t> </a:t>
-            </a:r>
-            <a:r>
-              <a:rPr lang="tr-TR" dirty="0" err="1"/>
-              <a:t>over</a:t>
-            </a:r>
-            <a:r>
-              <a:rPr lang="tr-TR" dirty="0"/>
-              <a:t> </a:t>
-            </a:r>
-            <a:r>
-              <a:rPr lang="tr-TR" dirty="0" err="1"/>
-              <a:t>aggregate</a:t>
-            </a:r>
-            <a:r>
-              <a:rPr lang="tr-TR" dirty="0"/>
-              <a:t> </a:t>
-            </a:r>
-            <a:r>
-              <a:rPr lang="tr-TR" dirty="0" err="1"/>
-              <a:t>root</a:t>
-            </a:r>
-            <a:r>
-              <a:rPr lang="tr-TR" dirty="0"/>
-              <a:t> </a:t>
-            </a:r>
-            <a:r>
-              <a:rPr lang="tr-TR" dirty="0" err="1"/>
-              <a:t>to</a:t>
-            </a:r>
-            <a:r>
-              <a:rPr lang="tr-TR" dirty="0"/>
-              <a:t> </a:t>
-            </a:r>
-            <a:r>
-              <a:rPr lang="tr-TR" dirty="0" err="1"/>
-              <a:t>access</a:t>
-            </a:r>
-            <a:r>
-              <a:rPr lang="tr-TR" dirty="0"/>
-              <a:t> an </a:t>
-            </a:r>
-            <a:r>
-              <a:rPr lang="tr-TR" dirty="0" err="1"/>
-              <a:t>aggregate</a:t>
-            </a:r>
-            <a:r>
-              <a:rPr lang="tr-TR" dirty="0"/>
-              <a:t>.</a:t>
-            </a:r>
-          </a:p>
-          <a:p>
-            <a:pPr lvl="1"/>
-            <a:r>
-              <a:rPr lang="tr-TR" dirty="0" err="1"/>
-              <a:t>Should</a:t>
-            </a:r>
-            <a:r>
-              <a:rPr lang="tr-TR" dirty="0"/>
-              <a:t> be </a:t>
-            </a:r>
-            <a:r>
-              <a:rPr lang="tr-TR" dirty="0" err="1"/>
-              <a:t>retrieved</a:t>
-            </a:r>
-            <a:r>
-              <a:rPr lang="tr-TR" dirty="0"/>
-              <a:t> as a </a:t>
-            </a:r>
-            <a:r>
-              <a:rPr lang="tr-TR" dirty="0" err="1"/>
-              <a:t>whole</a:t>
-            </a:r>
-            <a:r>
-              <a:rPr lang="tr-TR" dirty="0"/>
-              <a:t> </a:t>
-            </a:r>
-            <a:r>
-              <a:rPr lang="tr-TR" dirty="0" err="1"/>
-              <a:t>object</a:t>
-            </a:r>
-            <a:r>
-              <a:rPr lang="tr-TR" dirty="0"/>
-              <a:t> (</a:t>
-            </a:r>
-            <a:r>
-              <a:rPr lang="tr-TR" dirty="0" err="1"/>
-              <a:t>including</a:t>
-            </a:r>
-            <a:r>
-              <a:rPr lang="tr-TR" dirty="0"/>
-              <a:t> </a:t>
-            </a:r>
-            <a:r>
-              <a:rPr lang="tr-TR" dirty="0" err="1"/>
-              <a:t>collections</a:t>
-            </a:r>
-            <a:r>
-              <a:rPr lang="tr-TR" dirty="0"/>
-              <a:t>) </a:t>
-            </a:r>
-            <a:r>
-              <a:rPr lang="tr-TR" dirty="0" err="1"/>
-              <a:t>from</a:t>
-            </a:r>
-            <a:r>
-              <a:rPr lang="tr-TR" dirty="0"/>
-              <a:t> </a:t>
-            </a:r>
-            <a:r>
-              <a:rPr lang="tr-TR" dirty="0" err="1"/>
-              <a:t>repository</a:t>
-            </a:r>
-            <a:r>
-              <a:rPr lang="tr-TR" dirty="0"/>
-              <a:t> (</a:t>
-            </a:r>
-            <a:r>
-              <a:rPr lang="tr-TR" dirty="0" err="1"/>
-              <a:t>or</a:t>
-            </a:r>
-            <a:r>
-              <a:rPr lang="tr-TR" dirty="0"/>
-              <a:t> </a:t>
-            </a:r>
-            <a:r>
-              <a:rPr lang="tr-TR" dirty="0" err="1"/>
-              <a:t>support</a:t>
-            </a:r>
-            <a:r>
-              <a:rPr lang="tr-TR" dirty="0"/>
-              <a:t> </a:t>
-            </a:r>
-            <a:r>
-              <a:rPr lang="tr-TR" dirty="0" err="1"/>
-              <a:t>lazy</a:t>
-            </a:r>
-            <a:r>
-              <a:rPr lang="tr-TR" dirty="0"/>
-              <a:t> </a:t>
-            </a:r>
-            <a:r>
-              <a:rPr lang="tr-TR" dirty="0" err="1"/>
-              <a:t>load</a:t>
-            </a:r>
-            <a:r>
-              <a:rPr lang="tr-TR" dirty="0"/>
-              <a:t>).</a:t>
-            </a:r>
-          </a:p>
-          <a:p>
-            <a:r>
-              <a:rPr lang="tr-TR" dirty="0"/>
-              <a:t>Applications</a:t>
-            </a:r>
-          </a:p>
-          <a:p>
-            <a:pPr lvl="1"/>
-            <a:r>
-              <a:rPr lang="tr-TR" dirty="0" err="1"/>
-              <a:t>Create</a:t>
-            </a:r>
-            <a:r>
-              <a:rPr lang="tr-TR" dirty="0"/>
-              <a:t> </a:t>
-            </a:r>
-            <a:r>
-              <a:rPr lang="tr-TR" dirty="0" err="1"/>
-              <a:t>application</a:t>
-            </a:r>
-            <a:r>
-              <a:rPr lang="tr-TR" dirty="0"/>
-              <a:t> </a:t>
-            </a:r>
-            <a:r>
-              <a:rPr lang="tr-TR" dirty="0" err="1"/>
-              <a:t>layer</a:t>
-            </a:r>
-            <a:r>
-              <a:rPr lang="tr-TR" dirty="0"/>
-              <a:t> </a:t>
-            </a:r>
-            <a:r>
-              <a:rPr lang="tr-TR" dirty="0" err="1"/>
-              <a:t>per</a:t>
-            </a:r>
-            <a:r>
-              <a:rPr lang="tr-TR" dirty="0"/>
-              <a:t> </a:t>
-            </a:r>
-            <a:r>
-              <a:rPr lang="tr-TR" dirty="0" err="1"/>
-              <a:t>application</a:t>
-            </a:r>
-            <a:r>
-              <a:rPr lang="tr-TR" dirty="0"/>
-              <a:t> (UI).</a:t>
-            </a:r>
           </a:p>
         </p:txBody>
       </p:sp>
     </p:spTree>
     <p:extLst>
       <p:ext uri="{BB962C8B-B14F-4D97-AF65-F5344CB8AC3E}">
-        <p14:creationId xmlns:p14="http://schemas.microsoft.com/office/powerpoint/2010/main" val="2722844074"/>
+        <p14:creationId xmlns:p14="http://schemas.microsoft.com/office/powerpoint/2010/main" val="1998312590"/>
       </p:ext>
     </p:extLst>
   </p:cSld>
@@ -15246,14 +14965,31 @@
             <p:ph type="title"/>
           </p:nvPr>
         </p:nvSpPr>
-        <p:spPr/>
+        <p:spPr>
+          <a:xfrm>
+            <a:off x="1154954" y="973668"/>
+            <a:ext cx="9163505" cy="706964"/>
+          </a:xfrm>
+        </p:spPr>
         <p:txBody>
           <a:bodyPr/>
           <a:lstStyle/>
           <a:p>
             <a:r>
-              <a:rPr lang="tr-TR" dirty="0" err="1"/>
-              <a:t>Discussions</a:t>
+              <a:rPr lang="tr-TR" dirty="0"/>
+              <a:t>Domain </a:t>
+            </a:r>
+            <a:r>
+              <a:rPr lang="tr-TR" dirty="0" err="1"/>
+              <a:t>Driven</a:t>
+            </a:r>
+            <a:r>
+              <a:rPr lang="tr-TR" dirty="0"/>
+              <a:t> Design / An </a:t>
+            </a:r>
+            <a:r>
+              <a:rPr lang="tr-TR" dirty="0" err="1"/>
+              <a:t>Antipattern</a:t>
             </a:r>
             <a:endParaRPr lang="tr-TR" dirty="0"/>
           </a:p>
@@ -15275,244 +15011,60 @@
           <a:lstStyle/>
           <a:p>
             <a:r>
-              <a:rPr lang="tr-TR" dirty="0"/>
-              <a:t>How </a:t>
-            </a:r>
-            <a:r>
-              <a:rPr lang="tr-TR" dirty="0" err="1"/>
-              <a:t>to</a:t>
+              <a:rPr lang="tr-TR" dirty="0" err="1"/>
+              <a:t>The</a:t>
+            </a:r>
+            <a:r>
+              <a:rPr lang="tr-TR" dirty="0"/>
+              <a:t> Smart UI «Anti-</a:t>
+            </a:r>
+            <a:r>
+              <a:rPr lang="tr-TR" dirty="0" err="1"/>
+              <a:t>Pattern</a:t>
+            </a:r>
+            <a:r>
+              <a:rPr lang="tr-TR" dirty="0"/>
+              <a:t>»</a:t>
+            </a:r>
+          </a:p>
+          <a:p>
+            <a:pPr lvl="1"/>
+            <a:r>
+              <a:rPr lang="en-US" dirty="0"/>
+              <a:t>Put all the business logic into the user interface. Chop the application into small</a:t>
             </a:r>
             <a:r>
               <a:rPr lang="tr-TR" dirty="0"/>
               <a:t> </a:t>
             </a:r>
             <a:r>
-              <a:rPr lang="tr-TR" dirty="0" err="1"/>
-              <a:t>manage</a:t>
-            </a:r>
-            <a:r>
-              <a:rPr lang="tr-TR" dirty="0"/>
-              <a:t> domain </a:t>
-            </a:r>
-            <a:r>
-              <a:rPr lang="tr-TR" dirty="0" err="1"/>
-              <a:t>exceptions</a:t>
-            </a:r>
-            <a:r>
-              <a:rPr lang="tr-TR" dirty="0"/>
-              <a:t>?</a:t>
-            </a:r>
-          </a:p>
-          <a:p>
-            <a:r>
-              <a:rPr lang="tr-TR" dirty="0" err="1"/>
-              <a:t>Don’t</a:t>
-            </a:r>
-            <a:r>
-              <a:rPr lang="tr-TR" dirty="0"/>
-              <a:t> mix </a:t>
-            </a:r>
-            <a:r>
-              <a:rPr lang="tr-TR" dirty="0" err="1"/>
-              <a:t>presentation</a:t>
+              <a:rPr lang="en-US" dirty="0"/>
+              <a:t>functions and implement them as separate user interfaces, embedding the business</a:t>
             </a:r>
             <a:r>
               <a:rPr lang="tr-TR" dirty="0"/>
               <a:t> </a:t>
             </a:r>
             <a:r>
-              <a:rPr lang="tr-TR" dirty="0" err="1"/>
-              <a:t>logic</a:t>
-            </a:r>
-            <a:r>
-              <a:rPr lang="tr-TR" dirty="0"/>
-              <a:t>, </a:t>
-            </a:r>
-            <a:r>
-              <a:rPr lang="tr-TR" dirty="0" err="1"/>
-              <a:t>application</a:t>
+              <a:rPr lang="en-US" dirty="0"/>
+              <a:t>rules into them. Use a relational database as a shared repository of the data. Use the</a:t>
             </a:r>
             <a:r>
               <a:rPr lang="tr-TR" dirty="0"/>
               <a:t> </a:t>
             </a:r>
             <a:r>
-              <a:rPr lang="tr-TR" dirty="0" err="1"/>
-              <a:t>logic</a:t>
-            </a:r>
-            <a:r>
-              <a:rPr lang="tr-TR" dirty="0"/>
-              <a:t> </a:t>
-            </a:r>
-            <a:r>
-              <a:rPr lang="tr-TR" dirty="0" err="1"/>
-              <a:t>and</a:t>
-            </a:r>
-            <a:r>
-              <a:rPr lang="tr-TR" dirty="0"/>
-              <a:t> domain </a:t>
-            </a:r>
-            <a:r>
-              <a:rPr lang="tr-TR" dirty="0" err="1"/>
-              <a:t>logic</a:t>
-            </a:r>
-            <a:r>
-              <a:rPr lang="tr-TR" dirty="0"/>
-              <a:t>.</a:t>
-            </a:r>
-          </a:p>
-          <a:p>
-            <a:r>
-              <a:rPr lang="tr-TR" dirty="0" err="1"/>
-              <a:t>Where</a:t>
-            </a:r>
-            <a:r>
-              <a:rPr lang="tr-TR" dirty="0"/>
-              <a:t> </a:t>
-            </a:r>
-            <a:r>
-              <a:rPr lang="tr-TR" dirty="0" err="1"/>
-              <a:t>to</a:t>
-            </a:r>
-            <a:r>
-              <a:rPr lang="tr-TR" dirty="0"/>
-              <a:t> </a:t>
-            </a:r>
-            <a:r>
-              <a:rPr lang="tr-TR" dirty="0" err="1"/>
-              <a:t>implement</a:t>
-            </a:r>
-            <a:r>
-              <a:rPr lang="tr-TR" dirty="0"/>
-              <a:t> </a:t>
-            </a:r>
-            <a:r>
-              <a:rPr lang="tr-TR" dirty="0" err="1"/>
-              <a:t>validation</a:t>
-            </a:r>
-            <a:r>
-              <a:rPr lang="tr-TR" dirty="0"/>
-              <a:t>: UI </a:t>
-            </a:r>
-            <a:r>
-              <a:rPr lang="tr-TR" dirty="0" err="1"/>
-              <a:t>validation</a:t>
-            </a:r>
-            <a:r>
-              <a:rPr lang="tr-TR" dirty="0"/>
-              <a:t>, DTO </a:t>
-            </a:r>
-            <a:r>
-              <a:rPr lang="tr-TR" dirty="0" err="1"/>
-              <a:t>validation</a:t>
-            </a:r>
-            <a:r>
-              <a:rPr lang="tr-TR" dirty="0"/>
-              <a:t>, </a:t>
-            </a:r>
-            <a:r>
-              <a:rPr lang="tr-TR" dirty="0" err="1"/>
-              <a:t>business</a:t>
-            </a:r>
-            <a:r>
-              <a:rPr lang="tr-TR" dirty="0"/>
-              <a:t> </a:t>
-            </a:r>
-            <a:r>
-              <a:rPr lang="tr-TR" dirty="0" err="1"/>
-              <a:t>validation</a:t>
-            </a:r>
-            <a:r>
-              <a:rPr lang="tr-TR" dirty="0"/>
-              <a:t>.</a:t>
-            </a:r>
-          </a:p>
-          <a:p>
-            <a:r>
-              <a:rPr lang="tr-TR" dirty="0"/>
-              <a:t>Application Service </a:t>
-            </a:r>
-            <a:r>
-              <a:rPr lang="tr-TR" dirty="0" err="1"/>
-              <a:t>vs</a:t>
-            </a:r>
-            <a:r>
-              <a:rPr lang="tr-TR" dirty="0"/>
-              <a:t> Domain Service</a:t>
-            </a:r>
-          </a:p>
-          <a:p>
-            <a:r>
-              <a:rPr lang="tr-TR" dirty="0"/>
-              <a:t>Write Model - Read Model / </a:t>
-            </a:r>
-            <a:r>
-              <a:rPr lang="tr-TR" dirty="0" err="1"/>
-              <a:t>Reporting</a:t>
+              <a:rPr lang="en-US" dirty="0"/>
+              <a:t>most automated UI building and visual programming tools available.</a:t>
             </a:r>
             <a:endParaRPr lang="tr-TR" dirty="0"/>
-          </a:p>
-          <a:p>
-            <a:pPr lvl="1"/>
-            <a:r>
-              <a:rPr lang="tr-TR" dirty="0"/>
-              <a:t>DDD is </a:t>
-            </a:r>
-            <a:r>
-              <a:rPr lang="tr-TR" dirty="0" err="1"/>
-              <a:t>mostly</a:t>
-            </a:r>
-            <a:r>
-              <a:rPr lang="tr-TR" dirty="0"/>
-              <a:t> </a:t>
-            </a:r>
-            <a:r>
-              <a:rPr lang="tr-TR" dirty="0" err="1"/>
-              <a:t>for</a:t>
-            </a:r>
-            <a:r>
-              <a:rPr lang="tr-TR" dirty="0"/>
-              <a:t> </a:t>
-            </a:r>
-            <a:r>
-              <a:rPr lang="tr-TR" dirty="0" err="1"/>
-              <a:t>changing</a:t>
-            </a:r>
-            <a:r>
-              <a:rPr lang="tr-TR" dirty="0"/>
-              <a:t> </a:t>
-            </a:r>
-            <a:r>
-              <a:rPr lang="tr-TR" dirty="0" err="1"/>
-              <a:t>the</a:t>
-            </a:r>
-            <a:r>
-              <a:rPr lang="tr-TR" dirty="0"/>
-              <a:t> </a:t>
-            </a:r>
-            <a:r>
-              <a:rPr lang="tr-TR" dirty="0" err="1"/>
-              <a:t>state</a:t>
-            </a:r>
-            <a:r>
-              <a:rPr lang="tr-TR" dirty="0"/>
-              <a:t>, not </a:t>
-            </a:r>
-            <a:r>
-              <a:rPr lang="tr-TR" dirty="0" err="1"/>
-              <a:t>reporting</a:t>
-            </a:r>
-            <a:r>
-              <a:rPr lang="tr-TR" dirty="0"/>
-              <a:t>!</a:t>
-            </a:r>
           </a:p>
         </p:txBody>
       </p:sp>
     </p:spTree>
     <p:extLst>
       <p:ext uri="{BB962C8B-B14F-4D97-AF65-F5344CB8AC3E}">
-        <p14:creationId xmlns:p14="http://schemas.microsoft.com/office/powerpoint/2010/main" val="217999694"/>
+        <p14:creationId xmlns:p14="http://schemas.microsoft.com/office/powerpoint/2010/main" val="2866602718"/>
       </p:ext>
     </p:extLst>
   </p:cSld>
@@ -15556,7 +15108,7 @@
           <a:p>
             <a:r>
               <a:rPr lang="tr-TR" dirty="0" err="1"/>
-              <a:t>Contact</a:t>
+              <a:t>Discussions</a:t>
             </a:r>
             <a:endParaRPr lang="tr-TR" dirty="0"/>
           </a:p>
@@ -15574,31 +15126,988 @@
         </p:nvSpPr>
         <p:spPr/>
         <p:txBody>
-          <a:bodyPr/>
+          <a:bodyPr>
+            <a:normAutofit fontScale="77500" lnSpcReduction="20000"/>
+          </a:bodyPr>
           <a:lstStyle/>
           <a:p>
             <a:r>
-              <a:rPr lang="tr-TR" dirty="0">
-                <a:hlinkClick r:id="rId2"/>
-              </a:rPr>
-              <a:t>http://volosoft.com</a:t>
-            </a:r>
-          </a:p>
-          <a:p>
-            <a:r>
-              <a:rPr lang="tr-TR" dirty="0">
-                <a:hlinkClick r:id="rId2"/>
-              </a:rPr>
-              <a:t>http://halilibrahimkalkan.com</a:t>
+              <a:rPr lang="tr-TR" dirty="0" err="1"/>
+              <a:t>Persistence</a:t>
+            </a:r>
+            <a:r>
+              <a:rPr lang="tr-TR" dirty="0"/>
+              <a:t> </a:t>
+            </a:r>
+            <a:r>
+              <a:rPr lang="tr-TR" dirty="0" err="1"/>
+              <a:t>Ignorance</a:t>
             </a:r>
             <a:endParaRPr lang="tr-TR" dirty="0"/>
+          </a:p>
+          <a:p>
+            <a:pPr lvl="1"/>
+            <a:r>
+              <a:rPr lang="tr-TR" dirty="0"/>
+              <a:t>Not Database/ORM </a:t>
+            </a:r>
+            <a:r>
+              <a:rPr lang="tr-TR" dirty="0" err="1"/>
+              <a:t>Driven</a:t>
+            </a:r>
+            <a:r>
+              <a:rPr lang="tr-TR" dirty="0"/>
+              <a:t> Design, but Domain </a:t>
+            </a:r>
+            <a:r>
+              <a:rPr lang="tr-TR" dirty="0" err="1"/>
+              <a:t>Driven</a:t>
+            </a:r>
+            <a:r>
+              <a:rPr lang="tr-TR" dirty="0"/>
+              <a:t> Design!</a:t>
+            </a:r>
+          </a:p>
+          <a:p>
+            <a:r>
+              <a:rPr lang="tr-TR" dirty="0" err="1"/>
+              <a:t>Bounded</a:t>
+            </a:r>
+            <a:r>
+              <a:rPr lang="tr-TR" dirty="0"/>
+              <a:t> </a:t>
+            </a:r>
+            <a:r>
+              <a:rPr lang="tr-TR" dirty="0" err="1"/>
+              <a:t>Contextes</a:t>
+            </a:r>
+            <a:endParaRPr lang="tr-TR" dirty="0"/>
+          </a:p>
+          <a:p>
+            <a:pPr lvl="1"/>
+            <a:r>
+              <a:rPr lang="tr-TR" dirty="0" err="1"/>
+              <a:t>Entities</a:t>
+            </a:r>
+            <a:r>
+              <a:rPr lang="tr-TR" dirty="0"/>
+              <a:t> </a:t>
+            </a:r>
+            <a:r>
+              <a:rPr lang="tr-TR" dirty="0" err="1"/>
+              <a:t>should</a:t>
+            </a:r>
+            <a:r>
+              <a:rPr lang="tr-TR" dirty="0"/>
+              <a:t> not be re-</a:t>
+            </a:r>
+            <a:r>
+              <a:rPr lang="tr-TR" dirty="0" err="1"/>
+              <a:t>used</a:t>
+            </a:r>
+            <a:r>
+              <a:rPr lang="tr-TR" dirty="0"/>
+              <a:t> </a:t>
+            </a:r>
+            <a:r>
+              <a:rPr lang="tr-TR" dirty="0" err="1"/>
+              <a:t>between</a:t>
+            </a:r>
+            <a:r>
+              <a:rPr lang="tr-TR" dirty="0"/>
+              <a:t> </a:t>
+            </a:r>
+            <a:r>
+              <a:rPr lang="tr-TR" dirty="0" err="1"/>
+              <a:t>contextes</a:t>
+            </a:r>
+            <a:r>
+              <a:rPr lang="tr-TR" dirty="0"/>
+              <a:t> </a:t>
+            </a:r>
+            <a:r>
+              <a:rPr lang="tr-TR" dirty="0" err="1"/>
+              <a:t>even</a:t>
+            </a:r>
+            <a:r>
+              <a:rPr lang="tr-TR" dirty="0"/>
+              <a:t> </a:t>
+            </a:r>
+            <a:r>
+              <a:rPr lang="tr-TR" dirty="0" err="1"/>
+              <a:t>they</a:t>
+            </a:r>
+            <a:r>
+              <a:rPr lang="tr-TR" dirty="0"/>
+              <a:t> </a:t>
+            </a:r>
+            <a:r>
+              <a:rPr lang="tr-TR" dirty="0" err="1"/>
+              <a:t>represent</a:t>
+            </a:r>
+            <a:r>
+              <a:rPr lang="tr-TR" dirty="0"/>
+              <a:t> </a:t>
+            </a:r>
+            <a:r>
+              <a:rPr lang="tr-TR" dirty="0" err="1"/>
+              <a:t>same</a:t>
+            </a:r>
+            <a:r>
+              <a:rPr lang="tr-TR" dirty="0"/>
+              <a:t> </a:t>
+            </a:r>
+            <a:r>
+              <a:rPr lang="tr-TR" dirty="0" err="1"/>
+              <a:t>database</a:t>
+            </a:r>
+            <a:r>
+              <a:rPr lang="tr-TR" dirty="0"/>
+              <a:t> </a:t>
+            </a:r>
+            <a:r>
+              <a:rPr lang="tr-TR" dirty="0" err="1"/>
+              <a:t>table</a:t>
+            </a:r>
+            <a:r>
+              <a:rPr lang="tr-TR" dirty="0"/>
+              <a:t>.</a:t>
+            </a:r>
+          </a:p>
+          <a:p>
+            <a:r>
+              <a:rPr lang="tr-TR" dirty="0" err="1"/>
+              <a:t>Aggregate</a:t>
+            </a:r>
+            <a:r>
+              <a:rPr lang="tr-TR" dirty="0"/>
+              <a:t> </a:t>
+            </a:r>
+            <a:r>
+              <a:rPr lang="tr-TR" dirty="0" err="1"/>
+              <a:t>Roots</a:t>
+            </a:r>
+            <a:endParaRPr lang="tr-TR" dirty="0"/>
+          </a:p>
+          <a:p>
+            <a:pPr lvl="1"/>
+            <a:r>
+              <a:rPr lang="tr-TR" dirty="0" err="1"/>
+              <a:t>Responsible</a:t>
+            </a:r>
+            <a:r>
+              <a:rPr lang="tr-TR" dirty="0"/>
+              <a:t> </a:t>
+            </a:r>
+            <a:r>
+              <a:rPr lang="tr-TR" dirty="0" err="1"/>
+              <a:t>for</a:t>
+            </a:r>
+            <a:r>
+              <a:rPr lang="tr-TR" dirty="0"/>
+              <a:t> </a:t>
+            </a:r>
+            <a:r>
+              <a:rPr lang="tr-TR" dirty="0" err="1"/>
+              <a:t>it’s</a:t>
+            </a:r>
+            <a:r>
+              <a:rPr lang="tr-TR" dirty="0"/>
+              <a:t> </a:t>
+            </a:r>
+            <a:r>
+              <a:rPr lang="tr-TR" dirty="0" err="1"/>
+              <a:t>own</a:t>
+            </a:r>
+            <a:r>
+              <a:rPr lang="tr-TR" dirty="0"/>
+              <a:t> </a:t>
+            </a:r>
+            <a:r>
+              <a:rPr lang="tr-TR" dirty="0" err="1"/>
+              <a:t>validity</a:t>
+            </a:r>
+            <a:r>
+              <a:rPr lang="tr-TR" dirty="0"/>
+              <a:t> </a:t>
+            </a:r>
+            <a:r>
+              <a:rPr lang="tr-TR" dirty="0" err="1"/>
+              <a:t>and</a:t>
+            </a:r>
+            <a:r>
+              <a:rPr lang="tr-TR" dirty="0"/>
+              <a:t> </a:t>
+            </a:r>
+            <a:r>
+              <a:rPr lang="tr-TR" dirty="0" err="1"/>
+              <a:t>integrity</a:t>
+            </a:r>
+            <a:r>
+              <a:rPr lang="tr-TR" dirty="0"/>
+              <a:t>.</a:t>
+            </a:r>
+          </a:p>
+          <a:p>
+            <a:pPr lvl="1"/>
+            <a:r>
+              <a:rPr lang="tr-TR" dirty="0"/>
+              <a:t>Can </a:t>
+            </a:r>
+            <a:r>
+              <a:rPr lang="tr-TR" dirty="0" err="1"/>
+              <a:t>refer</a:t>
+            </a:r>
+            <a:r>
+              <a:rPr lang="tr-TR" dirty="0"/>
+              <a:t> </a:t>
+            </a:r>
+            <a:r>
+              <a:rPr lang="tr-TR" dirty="0" err="1"/>
+              <a:t>other</a:t>
+            </a:r>
+            <a:r>
+              <a:rPr lang="tr-TR" dirty="0"/>
+              <a:t> </a:t>
+            </a:r>
+            <a:r>
+              <a:rPr lang="tr-TR" dirty="0" err="1"/>
+              <a:t>Aggregates</a:t>
+            </a:r>
+            <a:r>
+              <a:rPr lang="tr-TR" dirty="0"/>
+              <a:t> </a:t>
+            </a:r>
+            <a:r>
+              <a:rPr lang="tr-TR" dirty="0" err="1"/>
+              <a:t>by</a:t>
+            </a:r>
+            <a:r>
+              <a:rPr lang="tr-TR" dirty="0"/>
+              <a:t> </a:t>
+            </a:r>
+            <a:r>
+              <a:rPr lang="tr-TR" dirty="0" err="1"/>
+              <a:t>only</a:t>
+            </a:r>
+            <a:r>
+              <a:rPr lang="tr-TR" dirty="0"/>
+              <a:t> </a:t>
+            </a:r>
+            <a:r>
+              <a:rPr lang="tr-TR" dirty="0" err="1"/>
+              <a:t>reference</a:t>
+            </a:r>
+            <a:r>
+              <a:rPr lang="tr-TR" dirty="0"/>
+              <a:t> (</a:t>
+            </a:r>
+            <a:r>
+              <a:rPr lang="tr-TR" dirty="0" err="1"/>
+              <a:t>by</a:t>
+            </a:r>
+            <a:r>
+              <a:rPr lang="tr-TR" dirty="0"/>
+              <a:t> </a:t>
+            </a:r>
+            <a:r>
+              <a:rPr lang="tr-TR" dirty="0" err="1"/>
+              <a:t>their</a:t>
+            </a:r>
+            <a:r>
+              <a:rPr lang="tr-TR" dirty="0"/>
+              <a:t> </a:t>
+            </a:r>
+            <a:r>
+              <a:rPr lang="tr-TR" dirty="0" err="1"/>
+              <a:t>id</a:t>
+            </a:r>
+            <a:r>
+              <a:rPr lang="tr-TR" dirty="0"/>
+              <a:t>).</a:t>
+            </a:r>
+          </a:p>
+          <a:p>
+            <a:pPr lvl="1"/>
+            <a:r>
+              <a:rPr lang="tr-TR" dirty="0" err="1"/>
+              <a:t>Should</a:t>
+            </a:r>
+            <a:r>
+              <a:rPr lang="tr-TR" dirty="0"/>
+              <a:t> </a:t>
+            </a:r>
+            <a:r>
+              <a:rPr lang="tr-TR" dirty="0" err="1"/>
+              <a:t>go</a:t>
+            </a:r>
+            <a:r>
+              <a:rPr lang="tr-TR" dirty="0"/>
+              <a:t> </a:t>
+            </a:r>
+            <a:r>
+              <a:rPr lang="tr-TR" dirty="0" err="1"/>
+              <a:t>over</a:t>
+            </a:r>
+            <a:r>
+              <a:rPr lang="tr-TR" dirty="0"/>
+              <a:t> </a:t>
+            </a:r>
+            <a:r>
+              <a:rPr lang="tr-TR" dirty="0" err="1"/>
+              <a:t>aggregate</a:t>
+            </a:r>
+            <a:r>
+              <a:rPr lang="tr-TR" dirty="0"/>
+              <a:t> </a:t>
+            </a:r>
+            <a:r>
+              <a:rPr lang="tr-TR" dirty="0" err="1"/>
+              <a:t>root</a:t>
+            </a:r>
+            <a:r>
+              <a:rPr lang="tr-TR" dirty="0"/>
+              <a:t> </a:t>
+            </a:r>
+            <a:r>
+              <a:rPr lang="tr-TR" dirty="0" err="1"/>
+              <a:t>to</a:t>
+            </a:r>
+            <a:r>
+              <a:rPr lang="tr-TR" dirty="0"/>
+              <a:t> </a:t>
+            </a:r>
+            <a:r>
+              <a:rPr lang="tr-TR" dirty="0" err="1"/>
+              <a:t>access</a:t>
+            </a:r>
+            <a:r>
+              <a:rPr lang="tr-TR" dirty="0"/>
+              <a:t> an </a:t>
+            </a:r>
+            <a:r>
+              <a:rPr lang="tr-TR" dirty="0" err="1"/>
+              <a:t>aggregate</a:t>
+            </a:r>
+            <a:r>
+              <a:rPr lang="tr-TR" dirty="0"/>
+              <a:t> </a:t>
+            </a:r>
+            <a:r>
+              <a:rPr lang="tr-TR" dirty="0" err="1"/>
+              <a:t>member</a:t>
+            </a:r>
+            <a:r>
+              <a:rPr lang="tr-TR" dirty="0"/>
+              <a:t>.</a:t>
+            </a:r>
+          </a:p>
+          <a:p>
+            <a:pPr lvl="1"/>
+            <a:r>
+              <a:rPr lang="tr-TR" dirty="0" err="1"/>
+              <a:t>Should</a:t>
+            </a:r>
+            <a:r>
+              <a:rPr lang="tr-TR" dirty="0"/>
+              <a:t> be </a:t>
+            </a:r>
+            <a:r>
+              <a:rPr lang="tr-TR" dirty="0" err="1"/>
+              <a:t>retrieved</a:t>
+            </a:r>
+            <a:r>
+              <a:rPr lang="tr-TR" dirty="0"/>
+              <a:t> as a </a:t>
+            </a:r>
+            <a:r>
+              <a:rPr lang="tr-TR" dirty="0" err="1"/>
+              <a:t>whole</a:t>
+            </a:r>
+            <a:r>
+              <a:rPr lang="tr-TR" dirty="0"/>
+              <a:t> </a:t>
+            </a:r>
+            <a:r>
+              <a:rPr lang="tr-TR" dirty="0" err="1"/>
+              <a:t>object</a:t>
+            </a:r>
+            <a:r>
+              <a:rPr lang="tr-TR" dirty="0"/>
+              <a:t> (</a:t>
+            </a:r>
+            <a:r>
+              <a:rPr lang="tr-TR" dirty="0" err="1"/>
+              <a:t>including</a:t>
+            </a:r>
+            <a:r>
+              <a:rPr lang="tr-TR" dirty="0"/>
+              <a:t> </a:t>
+            </a:r>
+            <a:r>
+              <a:rPr lang="tr-TR" dirty="0" err="1"/>
+              <a:t>collections</a:t>
+            </a:r>
+            <a:r>
+              <a:rPr lang="tr-TR" dirty="0"/>
+              <a:t>) </a:t>
+            </a:r>
+            <a:r>
+              <a:rPr lang="tr-TR" dirty="0" err="1"/>
+              <a:t>from</a:t>
+            </a:r>
+            <a:r>
+              <a:rPr lang="tr-TR" dirty="0"/>
+              <a:t> </a:t>
+            </a:r>
+            <a:r>
+              <a:rPr lang="tr-TR" dirty="0" err="1"/>
+              <a:t>repository</a:t>
+            </a:r>
+            <a:r>
+              <a:rPr lang="tr-TR" dirty="0"/>
+              <a:t> (</a:t>
+            </a:r>
+            <a:r>
+              <a:rPr lang="tr-TR" dirty="0" err="1"/>
+              <a:t>or</a:t>
+            </a:r>
+            <a:r>
+              <a:rPr lang="tr-TR" dirty="0"/>
+              <a:t> </a:t>
+            </a:r>
+            <a:r>
+              <a:rPr lang="tr-TR" dirty="0" err="1"/>
+              <a:t>support</a:t>
+            </a:r>
+            <a:r>
+              <a:rPr lang="tr-TR" dirty="0"/>
+              <a:t> </a:t>
+            </a:r>
+            <a:r>
+              <a:rPr lang="tr-TR" dirty="0" err="1"/>
+              <a:t>lazy</a:t>
+            </a:r>
+            <a:r>
+              <a:rPr lang="tr-TR" dirty="0"/>
+              <a:t> </a:t>
+            </a:r>
+            <a:r>
+              <a:rPr lang="tr-TR" dirty="0" err="1"/>
+              <a:t>load</a:t>
+            </a:r>
+            <a:r>
+              <a:rPr lang="tr-TR" dirty="0"/>
+              <a:t>).</a:t>
+            </a:r>
+          </a:p>
+          <a:p>
+            <a:r>
+              <a:rPr lang="tr-TR" dirty="0"/>
+              <a:t>Applications</a:t>
+            </a:r>
+          </a:p>
+          <a:p>
+            <a:pPr lvl="1"/>
+            <a:r>
+              <a:rPr lang="tr-TR" dirty="0" err="1"/>
+              <a:t>Create</a:t>
+            </a:r>
+            <a:r>
+              <a:rPr lang="tr-TR" dirty="0"/>
+              <a:t> </a:t>
+            </a:r>
+            <a:r>
+              <a:rPr lang="tr-TR" dirty="0" err="1"/>
+              <a:t>application</a:t>
+            </a:r>
+            <a:r>
+              <a:rPr lang="tr-TR" dirty="0"/>
+              <a:t> </a:t>
+            </a:r>
+            <a:r>
+              <a:rPr lang="tr-TR" dirty="0" err="1"/>
+              <a:t>layer</a:t>
+            </a:r>
+            <a:r>
+              <a:rPr lang="tr-TR" dirty="0"/>
+              <a:t> </a:t>
+            </a:r>
+            <a:r>
+              <a:rPr lang="tr-TR" dirty="0" err="1"/>
+              <a:t>per</a:t>
+            </a:r>
+            <a:r>
+              <a:rPr lang="tr-TR" dirty="0"/>
+              <a:t> </a:t>
+            </a:r>
+            <a:r>
+              <a:rPr lang="tr-TR" dirty="0" err="1"/>
+              <a:t>application</a:t>
+            </a:r>
+            <a:r>
+              <a:rPr lang="tr-TR" dirty="0"/>
+              <a:t> (UI).</a:t>
+            </a:r>
           </a:p>
         </p:txBody>
       </p:sp>
     </p:spTree>
     <p:extLst>
       <p:ext uri="{BB962C8B-B14F-4D97-AF65-F5344CB8AC3E}">
-        <p14:creationId xmlns:p14="http://schemas.microsoft.com/office/powerpoint/2010/main" val="4003375037"/>
+        <p14:creationId xmlns:p14="http://schemas.microsoft.com/office/powerpoint/2010/main" val="2722844074"/>
+      </p:ext>
+    </p:extLst>
+  </p:cSld>
+  <p:clrMapOvr>
+    <a:masterClrMapping/>
+  </p:clrMapOvr>
+</p:sld>
+</file>
+
+<file path=ppt/slides/slide8.xml><?xml version="1.0" encoding="utf-8"?>
+<p:sld xmlns:a="http://schemas.openxmlformats.org/drawingml/2006/main" xmlns:r="http://schemas.openxmlformats.org/officeDocument/2006/relationships" xmlns:p="http://schemas.openxmlformats.org/presentationml/2006/main">
+  <p:cSld>
+    <p:spTree>
+      <p:nvGrpSpPr>
+        <p:cNvPr id="1" name=""/>
+        <p:cNvGrpSpPr/>
+        <p:nvPr/>
+      </p:nvGrpSpPr>
+      <p:grpSpPr>
+        <a:xfrm>
+          <a:off x="0" y="0"/>
+          <a:ext cx="0" cy="0"/>
+          <a:chOff x="0" y="0"/>
+          <a:chExt cx="0" cy="0"/>
+        </a:xfrm>
+      </p:grpSpPr>
+      <p:sp>
+        <p:nvSpPr>
+          <p:cNvPr id="2" name="Title 1"/>
+          <p:cNvSpPr>
+            <a:spLocks noGrp="1"/>
+          </p:cNvSpPr>
+          <p:nvPr>
+            <p:ph type="title"/>
+          </p:nvPr>
+        </p:nvSpPr>
+        <p:spPr/>
+        <p:txBody>
+          <a:bodyPr/>
+          <a:lstStyle/>
+          <a:p>
+            <a:r>
+              <a:rPr lang="tr-TR" dirty="0" err="1"/>
+              <a:t>Discussions</a:t>
+            </a:r>
+            <a:endParaRPr lang="tr-TR" dirty="0"/>
+          </a:p>
+        </p:txBody>
+      </p:sp>
+      <p:sp>
+        <p:nvSpPr>
+          <p:cNvPr id="3" name="Content Placeholder 2"/>
+          <p:cNvSpPr>
+            <a:spLocks noGrp="1"/>
+          </p:cNvSpPr>
+          <p:nvPr>
+            <p:ph idx="1"/>
+          </p:nvPr>
+        </p:nvSpPr>
+        <p:spPr>
+          <a:xfrm>
+            <a:off x="1154954" y="2603499"/>
+            <a:ext cx="8825659" cy="3872801"/>
+          </a:xfrm>
+        </p:spPr>
+        <p:txBody>
+          <a:bodyPr>
+            <a:normAutofit fontScale="77500" lnSpcReduction="20000"/>
+          </a:bodyPr>
+          <a:lstStyle/>
+          <a:p>
+            <a:r>
+              <a:rPr lang="tr-TR" dirty="0"/>
+              <a:t>How </a:t>
+            </a:r>
+            <a:r>
+              <a:rPr lang="tr-TR" dirty="0" err="1"/>
+              <a:t>to</a:t>
+            </a:r>
+            <a:r>
+              <a:rPr lang="tr-TR" dirty="0"/>
+              <a:t> </a:t>
+            </a:r>
+            <a:r>
+              <a:rPr lang="tr-TR" dirty="0" err="1"/>
+              <a:t>managing</a:t>
+            </a:r>
+            <a:r>
+              <a:rPr lang="tr-TR" dirty="0"/>
+              <a:t> </a:t>
+            </a:r>
+            <a:r>
+              <a:rPr lang="tr-TR" dirty="0" err="1"/>
+              <a:t>exceptions</a:t>
+            </a:r>
+            <a:r>
+              <a:rPr lang="tr-TR" dirty="0"/>
+              <a:t>?</a:t>
+            </a:r>
+          </a:p>
+          <a:p>
+            <a:pPr lvl="1"/>
+            <a:r>
+              <a:rPr lang="tr-TR" dirty="0" err="1"/>
+              <a:t>Infrastructure</a:t>
+            </a:r>
+            <a:r>
+              <a:rPr lang="tr-TR" dirty="0"/>
+              <a:t> </a:t>
+            </a:r>
+            <a:r>
+              <a:rPr lang="tr-TR" dirty="0" err="1"/>
+              <a:t>Exceptions</a:t>
+            </a:r>
+            <a:r>
+              <a:rPr lang="tr-TR" dirty="0"/>
+              <a:t> (</a:t>
+            </a:r>
+            <a:r>
+              <a:rPr lang="tr-TR" dirty="0" err="1"/>
+              <a:t>database</a:t>
+            </a:r>
+            <a:r>
+              <a:rPr lang="tr-TR" dirty="0"/>
+              <a:t> </a:t>
+            </a:r>
+            <a:r>
+              <a:rPr lang="tr-TR" dirty="0" err="1"/>
+              <a:t>connection</a:t>
+            </a:r>
+            <a:r>
+              <a:rPr lang="tr-TR" dirty="0"/>
+              <a:t>… </a:t>
+            </a:r>
+            <a:r>
+              <a:rPr lang="tr-TR" dirty="0" err="1"/>
+              <a:t>etc</a:t>
+            </a:r>
+            <a:r>
+              <a:rPr lang="tr-TR" dirty="0"/>
+              <a:t>.)</a:t>
+            </a:r>
+          </a:p>
+          <a:p>
+            <a:pPr lvl="1"/>
+            <a:r>
+              <a:rPr lang="tr-TR" dirty="0"/>
+              <a:t>Application </a:t>
+            </a:r>
+            <a:r>
+              <a:rPr lang="tr-TR" dirty="0" err="1"/>
+              <a:t>Exceptions</a:t>
+            </a:r>
+            <a:r>
+              <a:rPr lang="tr-TR" dirty="0"/>
+              <a:t> (</a:t>
+            </a:r>
+            <a:r>
+              <a:rPr lang="tr-TR" dirty="0" err="1"/>
+              <a:t>like</a:t>
+            </a:r>
+            <a:r>
+              <a:rPr lang="tr-TR" dirty="0"/>
+              <a:t> a </a:t>
+            </a:r>
+            <a:r>
+              <a:rPr lang="tr-TR" dirty="0" err="1"/>
+              <a:t>null</a:t>
+            </a:r>
+            <a:r>
+              <a:rPr lang="tr-TR" dirty="0"/>
+              <a:t> </a:t>
+            </a:r>
+            <a:r>
+              <a:rPr lang="tr-TR" dirty="0" err="1"/>
+              <a:t>value</a:t>
+            </a:r>
+            <a:r>
+              <a:rPr lang="tr-TR" dirty="0"/>
+              <a:t> sent </a:t>
+            </a:r>
+            <a:r>
+              <a:rPr lang="tr-TR" dirty="0" err="1"/>
+              <a:t>to</a:t>
+            </a:r>
+            <a:r>
+              <a:rPr lang="tr-TR" dirty="0"/>
+              <a:t> a </a:t>
+            </a:r>
+            <a:r>
+              <a:rPr lang="tr-TR" dirty="0" err="1"/>
+              <a:t>method</a:t>
+            </a:r>
+            <a:r>
+              <a:rPr lang="tr-TR" dirty="0"/>
+              <a:t>)</a:t>
+            </a:r>
+          </a:p>
+          <a:p>
+            <a:pPr lvl="1"/>
+            <a:r>
+              <a:rPr lang="tr-TR" dirty="0" err="1"/>
+              <a:t>Authorization</a:t>
+            </a:r>
+            <a:r>
+              <a:rPr lang="tr-TR" dirty="0"/>
+              <a:t> &amp; </a:t>
+            </a:r>
+            <a:r>
+              <a:rPr lang="tr-TR" dirty="0" err="1"/>
+              <a:t>Validation</a:t>
+            </a:r>
+            <a:r>
+              <a:rPr lang="tr-TR" dirty="0"/>
+              <a:t> </a:t>
+            </a:r>
+            <a:r>
+              <a:rPr lang="tr-TR" dirty="0" err="1"/>
+              <a:t>Exceptions</a:t>
+            </a:r>
+            <a:endParaRPr lang="tr-TR" dirty="0"/>
+          </a:p>
+          <a:p>
+            <a:pPr lvl="1"/>
+            <a:r>
+              <a:rPr lang="tr-TR" dirty="0"/>
+              <a:t>Domain </a:t>
+            </a:r>
+            <a:r>
+              <a:rPr lang="tr-TR" dirty="0" err="1"/>
+              <a:t>Exceptions</a:t>
+            </a:r>
+            <a:r>
+              <a:rPr lang="tr-TR" dirty="0"/>
+              <a:t> (</a:t>
+            </a:r>
+            <a:r>
+              <a:rPr lang="tr-TR" dirty="0" err="1"/>
+              <a:t>business</a:t>
+            </a:r>
+            <a:r>
+              <a:rPr lang="tr-TR" dirty="0"/>
+              <a:t> </a:t>
+            </a:r>
+            <a:r>
+              <a:rPr lang="tr-TR" dirty="0" err="1"/>
+              <a:t>rules</a:t>
+            </a:r>
+            <a:r>
+              <a:rPr lang="tr-TR" dirty="0"/>
+              <a:t> </a:t>
+            </a:r>
+            <a:r>
+              <a:rPr lang="tr-TR" dirty="0" err="1"/>
+              <a:t>and</a:t>
+            </a:r>
+            <a:r>
+              <a:rPr lang="tr-TR" dirty="0"/>
+              <a:t> </a:t>
+            </a:r>
+            <a:r>
+              <a:rPr lang="tr-TR" dirty="0" err="1"/>
+              <a:t>validations</a:t>
+            </a:r>
+            <a:r>
+              <a:rPr lang="tr-TR" dirty="0"/>
+              <a:t>)</a:t>
+            </a:r>
+          </a:p>
+          <a:p>
+            <a:r>
+              <a:rPr lang="tr-TR" dirty="0"/>
+              <a:t>Presentation </a:t>
+            </a:r>
+            <a:r>
+              <a:rPr lang="tr-TR" dirty="0" err="1"/>
+              <a:t>logic</a:t>
+            </a:r>
+            <a:r>
+              <a:rPr lang="tr-TR" dirty="0"/>
+              <a:t> </a:t>
+            </a:r>
+            <a:r>
+              <a:rPr lang="tr-TR" dirty="0" err="1"/>
+              <a:t>vs</a:t>
+            </a:r>
+            <a:r>
+              <a:rPr lang="tr-TR" dirty="0"/>
+              <a:t> </a:t>
+            </a:r>
+            <a:r>
+              <a:rPr lang="tr-TR" dirty="0" err="1"/>
+              <a:t>application</a:t>
+            </a:r>
+            <a:r>
+              <a:rPr lang="tr-TR" dirty="0"/>
+              <a:t> </a:t>
+            </a:r>
+            <a:r>
+              <a:rPr lang="tr-TR" dirty="0" err="1"/>
+              <a:t>logic</a:t>
+            </a:r>
+            <a:r>
+              <a:rPr lang="tr-TR" dirty="0"/>
+              <a:t> </a:t>
+            </a:r>
+            <a:r>
+              <a:rPr lang="tr-TR" dirty="0" err="1"/>
+              <a:t>vs</a:t>
+            </a:r>
+            <a:r>
+              <a:rPr lang="tr-TR" dirty="0"/>
+              <a:t> domain </a:t>
+            </a:r>
+            <a:r>
+              <a:rPr lang="tr-TR" dirty="0" err="1"/>
+              <a:t>logic</a:t>
+            </a:r>
+            <a:r>
+              <a:rPr lang="tr-TR" dirty="0"/>
+              <a:t>.</a:t>
+            </a:r>
+          </a:p>
+          <a:p>
+            <a:r>
+              <a:rPr lang="tr-TR" dirty="0" err="1"/>
+              <a:t>Validation</a:t>
+            </a:r>
+            <a:endParaRPr lang="tr-TR" dirty="0"/>
+          </a:p>
+          <a:p>
+            <a:pPr lvl="1"/>
+            <a:r>
+              <a:rPr lang="tr-TR" dirty="0"/>
+              <a:t>UI </a:t>
+            </a:r>
+            <a:r>
+              <a:rPr lang="tr-TR" dirty="0" err="1"/>
+              <a:t>validation</a:t>
+            </a:r>
+            <a:endParaRPr lang="tr-TR" dirty="0"/>
+          </a:p>
+          <a:p>
+            <a:pPr lvl="1"/>
+            <a:r>
+              <a:rPr lang="tr-TR" dirty="0"/>
+              <a:t>DTO </a:t>
+            </a:r>
+            <a:r>
+              <a:rPr lang="tr-TR" dirty="0" err="1"/>
+              <a:t>validation</a:t>
+            </a:r>
+            <a:endParaRPr lang="tr-TR" dirty="0"/>
+          </a:p>
+          <a:p>
+            <a:pPr lvl="1"/>
+            <a:r>
+              <a:rPr lang="tr-TR" dirty="0"/>
+              <a:t>Business </a:t>
+            </a:r>
+            <a:r>
+              <a:rPr lang="tr-TR" dirty="0" err="1"/>
+              <a:t>validation</a:t>
+            </a:r>
+            <a:endParaRPr lang="tr-TR" dirty="0"/>
+          </a:p>
+          <a:p>
+            <a:r>
+              <a:rPr lang="tr-TR" dirty="0"/>
+              <a:t>Application Service </a:t>
+            </a:r>
+            <a:r>
+              <a:rPr lang="tr-TR" dirty="0" err="1"/>
+              <a:t>vs</a:t>
+            </a:r>
+            <a:r>
+              <a:rPr lang="tr-TR" dirty="0"/>
+              <a:t> Domain Service</a:t>
+            </a:r>
+          </a:p>
+          <a:p>
+            <a:r>
+              <a:rPr lang="tr-TR" dirty="0"/>
+              <a:t>Write Model - Read Model / </a:t>
+            </a:r>
+            <a:r>
+              <a:rPr lang="tr-TR" dirty="0" err="1"/>
+              <a:t>Reporting</a:t>
+            </a:r>
+            <a:endParaRPr lang="tr-TR" dirty="0"/>
+          </a:p>
+          <a:p>
+            <a:pPr lvl="1"/>
+            <a:r>
+              <a:rPr lang="tr-TR" dirty="0"/>
+              <a:t>DDD is </a:t>
+            </a:r>
+            <a:r>
+              <a:rPr lang="tr-TR" dirty="0" err="1"/>
+              <a:t>mostly</a:t>
+            </a:r>
+            <a:r>
+              <a:rPr lang="tr-TR" dirty="0"/>
+              <a:t> </a:t>
+            </a:r>
+            <a:r>
+              <a:rPr lang="tr-TR" dirty="0" err="1"/>
+              <a:t>for</a:t>
+            </a:r>
+            <a:r>
+              <a:rPr lang="tr-TR" dirty="0"/>
+              <a:t> </a:t>
+            </a:r>
+            <a:r>
+              <a:rPr lang="tr-TR" dirty="0" err="1"/>
+              <a:t>changing</a:t>
+            </a:r>
+            <a:r>
+              <a:rPr lang="tr-TR" dirty="0"/>
+              <a:t> </a:t>
+            </a:r>
+            <a:r>
+              <a:rPr lang="tr-TR" dirty="0" err="1"/>
+              <a:t>the</a:t>
+            </a:r>
+            <a:r>
+              <a:rPr lang="tr-TR" dirty="0"/>
+              <a:t> </a:t>
+            </a:r>
+            <a:r>
+              <a:rPr lang="tr-TR" dirty="0" err="1"/>
+              <a:t>state</a:t>
+            </a:r>
+            <a:r>
+              <a:rPr lang="tr-TR" dirty="0"/>
+              <a:t>, not </a:t>
+            </a:r>
+            <a:r>
+              <a:rPr lang="tr-TR" dirty="0" err="1"/>
+              <a:t>reporting</a:t>
+            </a:r>
+            <a:r>
+              <a:rPr lang="tr-TR" dirty="0"/>
+              <a:t>!</a:t>
+            </a:r>
+          </a:p>
+        </p:txBody>
+      </p:sp>
+    </p:spTree>
+    <p:extLst>
+      <p:ext uri="{BB962C8B-B14F-4D97-AF65-F5344CB8AC3E}">
+        <p14:creationId xmlns:p14="http://schemas.microsoft.com/office/powerpoint/2010/main" val="217999694"/>
       </p:ext>
     </p:extLst>
   </p:cSld>
